--- a/cbir/doc/cbir.pptx
+++ b/cbir/doc/cbir.pptx
@@ -9,7 +9,12 @@
     <p:sldId id="257" r:id="rId3"/>
     <p:sldId id="258" r:id="rId4"/>
     <p:sldId id="260" r:id="rId5"/>
-    <p:sldId id="259" r:id="rId6"/>
+    <p:sldId id="261" r:id="rId6"/>
+    <p:sldId id="262" r:id="rId7"/>
+    <p:sldId id="263" r:id="rId8"/>
+    <p:sldId id="264" r:id="rId9"/>
+    <p:sldId id="265" r:id="rId10"/>
+    <p:sldId id="259" r:id="rId11"/>
   </p:sldIdLst>
   <p:sldSz cx="9144000" cy="6858000" type="screen4x3"/>
   <p:notesSz cx="6858000" cy="9144000"/>
@@ -3109,6 +3114,79 @@
 </p:sld>
 </file>
 
+<file path=ppt/slides/slide10.xml><?xml version="1.0" encoding="utf-8"?>
+<p:sld xmlns:a="http://schemas.openxmlformats.org/drawingml/2006/main" xmlns:r="http://schemas.openxmlformats.org/officeDocument/2006/relationships" xmlns:p="http://schemas.openxmlformats.org/presentationml/2006/main">
+  <p:cSld>
+    <p:spTree>
+      <p:nvGrpSpPr>
+        <p:cNvPr id="1" name=""/>
+        <p:cNvGrpSpPr/>
+        <p:nvPr/>
+      </p:nvGrpSpPr>
+      <p:grpSpPr>
+        <a:xfrm>
+          <a:off x="0" y="0"/>
+          <a:ext cx="0" cy="0"/>
+          <a:chOff x="0" y="0"/>
+          <a:chExt cx="0" cy="0"/>
+        </a:xfrm>
+      </p:grpSpPr>
+      <p:sp>
+        <p:nvSpPr>
+          <p:cNvPr id="2" name="Titel 1"/>
+          <p:cNvSpPr>
+            <a:spLocks noGrp="1"/>
+          </p:cNvSpPr>
+          <p:nvPr>
+            <p:ph type="title"/>
+          </p:nvPr>
+        </p:nvSpPr>
+        <p:spPr/>
+        <p:txBody>
+          <a:bodyPr>
+            <a:normAutofit/>
+          </a:bodyPr>
+          <a:lstStyle/>
+          <a:p>
+            <a:r>
+              <a:rPr lang="de-CH" dirty="0" smtClean="0"/>
+              <a:t>Fazit</a:t>
+            </a:r>
+            <a:endParaRPr lang="de-CH" dirty="0"/>
+          </a:p>
+        </p:txBody>
+      </p:sp>
+      <p:sp>
+        <p:nvSpPr>
+          <p:cNvPr id="3" name="Inhaltsplatzhalter 2"/>
+          <p:cNvSpPr>
+            <a:spLocks noGrp="1"/>
+          </p:cNvSpPr>
+          <p:nvPr>
+            <p:ph idx="1"/>
+          </p:nvPr>
+        </p:nvSpPr>
+        <p:spPr/>
+        <p:txBody>
+          <a:bodyPr/>
+          <a:lstStyle/>
+          <a:p>
+            <a:r>
+              <a:rPr lang="de-CH" dirty="0" smtClean="0"/>
+              <a:t>80%-20% Regel</a:t>
+            </a:r>
+            <a:endParaRPr lang="de-CH" dirty="0"/>
+          </a:p>
+        </p:txBody>
+      </p:sp>
+    </p:spTree>
+  </p:cSld>
+  <p:clrMapOvr>
+    <a:masterClrMapping/>
+  </p:clrMapOvr>
+</p:sld>
+</file>
+
 <file path=ppt/slides/slide2.xml><?xml version="1.0" encoding="utf-8"?>
 <p:sld xmlns:a="http://schemas.openxmlformats.org/drawingml/2006/main" xmlns:r="http://schemas.openxmlformats.org/officeDocument/2006/relationships" xmlns:p="http://schemas.openxmlformats.org/presentationml/2006/main">
   <p:cSld>
@@ -3252,6 +3330,20 @@
             <a:pPr>
               <a:buNone/>
             </a:pPr>
+            <a:r>
+              <a:rPr lang="de-CH" dirty="0" smtClean="0"/>
+              <a:t>Random K </a:t>
+            </a:r>
+            <a:r>
+              <a:rPr lang="de-CH" dirty="0" err="1" smtClean="0"/>
+              <a:t>Means</a:t>
+            </a:r>
+            <a:endParaRPr lang="de-CH" dirty="0" smtClean="0"/>
+          </a:p>
+          <a:p>
+            <a:pPr>
+              <a:buNone/>
+            </a:pPr>
             <a:endParaRPr lang="de-CH" dirty="0" smtClean="0"/>
           </a:p>
           <a:p>
@@ -3392,14 +3484,12 @@
         </p:nvSpPr>
         <p:spPr/>
         <p:txBody>
-          <a:bodyPr>
-            <a:normAutofit/>
-          </a:bodyPr>
+          <a:bodyPr/>
           <a:lstStyle/>
           <a:p>
             <a:r>
               <a:rPr lang="de-CH" dirty="0" smtClean="0"/>
-              <a:t>Fazit</a:t>
+              <a:t>Parameter Optimierung</a:t>
             </a:r>
             <a:endParaRPr lang="de-CH" dirty="0"/>
           </a:p>
@@ -3422,8 +3512,335 @@
           <a:p>
             <a:r>
               <a:rPr lang="de-CH" dirty="0" smtClean="0"/>
-              <a:t>80%-20% Regel</a:t>
-            </a:r>
+              <a:t>Mehr K-</a:t>
+            </a:r>
+            <a:r>
+              <a:rPr lang="de-CH" dirty="0" err="1" smtClean="0"/>
+              <a:t>Means</a:t>
+            </a:r>
+            <a:r>
+              <a:rPr lang="de-CH" dirty="0" smtClean="0"/>
+              <a:t> Iterationen</a:t>
+            </a:r>
+            <a:endParaRPr lang="de-CH" dirty="0" smtClean="0">
+              <a:sym typeface="Wingdings" pitchFamily="2" charset="2"/>
+            </a:endParaRPr>
+          </a:p>
+          <a:p>
+            <a:r>
+              <a:rPr lang="de-CH" dirty="0" smtClean="0">
+                <a:sym typeface="Wingdings" pitchFamily="2" charset="2"/>
+              </a:rPr>
+              <a:t>Ergebnis: Unverändert.</a:t>
+            </a:r>
+            <a:endParaRPr lang="de-CH" dirty="0"/>
+          </a:p>
+        </p:txBody>
+      </p:sp>
+    </p:spTree>
+  </p:cSld>
+  <p:clrMapOvr>
+    <a:masterClrMapping/>
+  </p:clrMapOvr>
+</p:sld>
+</file>
+
+<file path=ppt/slides/slide6.xml><?xml version="1.0" encoding="utf-8"?>
+<p:sld xmlns:a="http://schemas.openxmlformats.org/drawingml/2006/main" xmlns:r="http://schemas.openxmlformats.org/officeDocument/2006/relationships" xmlns:p="http://schemas.openxmlformats.org/presentationml/2006/main">
+  <p:cSld>
+    <p:spTree>
+      <p:nvGrpSpPr>
+        <p:cNvPr id="1" name=""/>
+        <p:cNvGrpSpPr/>
+        <p:nvPr/>
+      </p:nvGrpSpPr>
+      <p:grpSpPr>
+        <a:xfrm>
+          <a:off x="0" y="0"/>
+          <a:ext cx="0" cy="0"/>
+          <a:chOff x="0" y="0"/>
+          <a:chExt cx="0" cy="0"/>
+        </a:xfrm>
+      </p:grpSpPr>
+      <p:sp>
+        <p:nvSpPr>
+          <p:cNvPr id="2" name="Titel 1"/>
+          <p:cNvSpPr>
+            <a:spLocks noGrp="1"/>
+          </p:cNvSpPr>
+          <p:nvPr>
+            <p:ph type="title"/>
+          </p:nvPr>
+        </p:nvSpPr>
+        <p:spPr/>
+        <p:txBody>
+          <a:bodyPr/>
+          <a:lstStyle/>
+          <a:p>
+            <a:r>
+              <a:rPr lang="de-CH" dirty="0" smtClean="0"/>
+              <a:t>Detailanalyse</a:t>
+            </a:r>
+            <a:endParaRPr lang="de-CH" dirty="0"/>
+          </a:p>
+        </p:txBody>
+      </p:sp>
+      <p:sp>
+        <p:nvSpPr>
+          <p:cNvPr id="5" name="Inhaltsplatzhalter 4"/>
+          <p:cNvSpPr>
+            <a:spLocks noGrp="1"/>
+          </p:cNvSpPr>
+          <p:nvPr>
+            <p:ph idx="1"/>
+          </p:nvPr>
+        </p:nvSpPr>
+        <p:spPr/>
+        <p:txBody>
+          <a:bodyPr/>
+          <a:lstStyle/>
+          <a:p>
+            <a:endParaRPr lang="de-CH"/>
+          </a:p>
+        </p:txBody>
+      </p:sp>
+    </p:spTree>
+  </p:cSld>
+  <p:clrMapOvr>
+    <a:masterClrMapping/>
+  </p:clrMapOvr>
+</p:sld>
+</file>
+
+<file path=ppt/slides/slide7.xml><?xml version="1.0" encoding="utf-8"?>
+<p:sld xmlns:a="http://schemas.openxmlformats.org/drawingml/2006/main" xmlns:r="http://schemas.openxmlformats.org/officeDocument/2006/relationships" xmlns:p="http://schemas.openxmlformats.org/presentationml/2006/main">
+  <p:cSld>
+    <p:spTree>
+      <p:nvGrpSpPr>
+        <p:cNvPr id="1" name=""/>
+        <p:cNvGrpSpPr/>
+        <p:nvPr/>
+      </p:nvGrpSpPr>
+      <p:grpSpPr>
+        <a:xfrm>
+          <a:off x="0" y="0"/>
+          <a:ext cx="0" cy="0"/>
+          <a:chOff x="0" y="0"/>
+          <a:chExt cx="0" cy="0"/>
+        </a:xfrm>
+      </p:grpSpPr>
+      <p:sp>
+        <p:nvSpPr>
+          <p:cNvPr id="2" name="Titel 1"/>
+          <p:cNvSpPr>
+            <a:spLocks noGrp="1"/>
+          </p:cNvSpPr>
+          <p:nvPr>
+            <p:ph type="title"/>
+          </p:nvPr>
+        </p:nvSpPr>
+        <p:spPr/>
+        <p:txBody>
+          <a:bodyPr/>
+          <a:lstStyle/>
+          <a:p>
+            <a:r>
+              <a:rPr lang="de-CH" dirty="0" smtClean="0"/>
+              <a:t>Wenn wir schon dabei sind…</a:t>
+            </a:r>
+            <a:endParaRPr lang="de-CH" dirty="0"/>
+          </a:p>
+        </p:txBody>
+      </p:sp>
+      <p:sp>
+        <p:nvSpPr>
+          <p:cNvPr id="3" name="Inhaltsplatzhalter 2"/>
+          <p:cNvSpPr>
+            <a:spLocks noGrp="1"/>
+          </p:cNvSpPr>
+          <p:nvPr>
+            <p:ph idx="1"/>
+          </p:nvPr>
+        </p:nvSpPr>
+        <p:spPr/>
+        <p:txBody>
+          <a:bodyPr/>
+          <a:lstStyle/>
+          <a:p>
+            <a:r>
+              <a:rPr lang="de-CH" dirty="0" smtClean="0"/>
+              <a:t>Wie viel mehr bringt mehr?</a:t>
+            </a:r>
+            <a:endParaRPr lang="de-CH" dirty="0"/>
+          </a:p>
+        </p:txBody>
+      </p:sp>
+    </p:spTree>
+  </p:cSld>
+  <p:clrMapOvr>
+    <a:masterClrMapping/>
+  </p:clrMapOvr>
+</p:sld>
+</file>
+
+<file path=ppt/slides/slide8.xml><?xml version="1.0" encoding="utf-8"?>
+<p:sld xmlns:a="http://schemas.openxmlformats.org/drawingml/2006/main" xmlns:r="http://schemas.openxmlformats.org/officeDocument/2006/relationships" xmlns:p="http://schemas.openxmlformats.org/presentationml/2006/main">
+  <p:cSld>
+    <p:spTree>
+      <p:nvGrpSpPr>
+        <p:cNvPr id="1" name=""/>
+        <p:cNvGrpSpPr/>
+        <p:nvPr/>
+      </p:nvGrpSpPr>
+      <p:grpSpPr>
+        <a:xfrm>
+          <a:off x="0" y="0"/>
+          <a:ext cx="0" cy="0"/>
+          <a:chOff x="0" y="0"/>
+          <a:chExt cx="0" cy="0"/>
+        </a:xfrm>
+      </p:grpSpPr>
+      <p:sp>
+        <p:nvSpPr>
+          <p:cNvPr id="2" name="Titel 1"/>
+          <p:cNvSpPr>
+            <a:spLocks noGrp="1"/>
+          </p:cNvSpPr>
+          <p:nvPr>
+            <p:ph type="title"/>
+          </p:nvPr>
+        </p:nvSpPr>
+        <p:spPr/>
+        <p:txBody>
+          <a:bodyPr/>
+          <a:lstStyle/>
+          <a:p>
+            <a:r>
+              <a:rPr lang="de-CH" dirty="0" smtClean="0"/>
+              <a:t>Heisst</a:t>
+            </a:r>
+            <a:endParaRPr lang="de-CH" dirty="0"/>
+          </a:p>
+        </p:txBody>
+      </p:sp>
+      <p:sp>
+        <p:nvSpPr>
+          <p:cNvPr id="3" name="Inhaltsplatzhalter 2"/>
+          <p:cNvSpPr>
+            <a:spLocks noGrp="1"/>
+          </p:cNvSpPr>
+          <p:nvPr>
+            <p:ph idx="1"/>
+          </p:nvPr>
+        </p:nvSpPr>
+        <p:spPr/>
+        <p:txBody>
+          <a:bodyPr/>
+          <a:lstStyle/>
+          <a:p>
+            <a:r>
+              <a:rPr lang="de-CH" dirty="0" err="1" smtClean="0"/>
+              <a:t>Classifier</a:t>
+            </a:r>
+            <a:r>
+              <a:rPr lang="de-CH" dirty="0" smtClean="0"/>
+              <a:t> ist zu simpel</a:t>
+            </a:r>
+          </a:p>
+          <a:p>
+            <a:r>
+              <a:rPr lang="de-CH" dirty="0" smtClean="0"/>
+              <a:t>Random K lustig, aber nutzlos</a:t>
+            </a:r>
+          </a:p>
+          <a:p>
+            <a:r>
+              <a:rPr lang="de-CH" dirty="0" smtClean="0"/>
+              <a:t>Speicherung eines Resultates, falls </a:t>
+            </a:r>
+            <a:r>
+              <a:rPr lang="de-CH" dirty="0" err="1" smtClean="0"/>
+              <a:t>Kmeans</a:t>
+            </a:r>
+            <a:r>
+              <a:rPr lang="de-CH" dirty="0" smtClean="0"/>
+              <a:t> immer </a:t>
+            </a:r>
+            <a:r>
+              <a:rPr lang="de-CH" smtClean="0"/>
+              <a:t>wieder verschlechtert.</a:t>
+            </a:r>
+            <a:endParaRPr lang="de-CH" dirty="0"/>
+          </a:p>
+        </p:txBody>
+      </p:sp>
+    </p:spTree>
+  </p:cSld>
+  <p:clrMapOvr>
+    <a:masterClrMapping/>
+  </p:clrMapOvr>
+</p:sld>
+</file>
+
+<file path=ppt/slides/slide9.xml><?xml version="1.0" encoding="utf-8"?>
+<p:sld xmlns:a="http://schemas.openxmlformats.org/drawingml/2006/main" xmlns:r="http://schemas.openxmlformats.org/officeDocument/2006/relationships" xmlns:p="http://schemas.openxmlformats.org/presentationml/2006/main">
+  <p:cSld>
+    <p:spTree>
+      <p:nvGrpSpPr>
+        <p:cNvPr id="1" name=""/>
+        <p:cNvGrpSpPr/>
+        <p:nvPr/>
+      </p:nvGrpSpPr>
+      <p:grpSpPr>
+        <a:xfrm>
+          <a:off x="0" y="0"/>
+          <a:ext cx="0" cy="0"/>
+          <a:chOff x="0" y="0"/>
+          <a:chExt cx="0" cy="0"/>
+        </a:xfrm>
+      </p:grpSpPr>
+      <p:sp>
+        <p:nvSpPr>
+          <p:cNvPr id="2" name="Titel 1"/>
+          <p:cNvSpPr>
+            <a:spLocks noGrp="1"/>
+          </p:cNvSpPr>
+          <p:nvPr>
+            <p:ph type="title"/>
+          </p:nvPr>
+        </p:nvSpPr>
+        <p:spPr/>
+        <p:txBody>
+          <a:bodyPr/>
+          <a:lstStyle/>
+          <a:p>
+            <a:r>
+              <a:rPr lang="de-CH" dirty="0" smtClean="0"/>
+              <a:t>Neuer </a:t>
+            </a:r>
+            <a:r>
+              <a:rPr lang="de-CH" dirty="0" err="1" smtClean="0"/>
+              <a:t>Classifier</a:t>
+            </a:r>
+            <a:endParaRPr lang="de-CH" dirty="0"/>
+          </a:p>
+        </p:txBody>
+      </p:sp>
+      <p:sp>
+        <p:nvSpPr>
+          <p:cNvPr id="3" name="Inhaltsplatzhalter 2"/>
+          <p:cNvSpPr>
+            <a:spLocks noGrp="1"/>
+          </p:cNvSpPr>
+          <p:nvPr>
+            <p:ph idx="1"/>
+          </p:nvPr>
+        </p:nvSpPr>
+        <p:spPr/>
+        <p:txBody>
+          <a:bodyPr/>
+          <a:lstStyle/>
+          <a:p>
             <a:endParaRPr lang="de-CH" dirty="0"/>
           </a:p>
         </p:txBody>

--- a/cbir/doc/cbir.pptx
+++ b/cbir/doc/cbir.pptx
@@ -298,7 +298,7 @@
             <a:fld id="{1BA50D42-C9CD-4801-B293-61D1F53EC57E}" type="datetimeFigureOut">
               <a:rPr lang="de-DE" smtClean="0"/>
               <a:pPr/>
-              <a:t>08.06.2014</a:t>
+              <a:t>09.06.2014</a:t>
             </a:fld>
             <a:endParaRPr lang="de-DE"/>
           </a:p>
@@ -465,7 +465,7 @@
             <a:fld id="{1BA50D42-C9CD-4801-B293-61D1F53EC57E}" type="datetimeFigureOut">
               <a:rPr lang="de-DE" smtClean="0"/>
               <a:pPr/>
-              <a:t>08.06.2014</a:t>
+              <a:t>09.06.2014</a:t>
             </a:fld>
             <a:endParaRPr lang="de-DE"/>
           </a:p>
@@ -642,7 +642,7 @@
             <a:fld id="{1BA50D42-C9CD-4801-B293-61D1F53EC57E}" type="datetimeFigureOut">
               <a:rPr lang="de-DE" smtClean="0"/>
               <a:pPr/>
-              <a:t>08.06.2014</a:t>
+              <a:t>09.06.2014</a:t>
             </a:fld>
             <a:endParaRPr lang="de-DE"/>
           </a:p>
@@ -809,7 +809,7 @@
             <a:fld id="{1BA50D42-C9CD-4801-B293-61D1F53EC57E}" type="datetimeFigureOut">
               <a:rPr lang="de-DE" smtClean="0"/>
               <a:pPr/>
-              <a:t>08.06.2014</a:t>
+              <a:t>09.06.2014</a:t>
             </a:fld>
             <a:endParaRPr lang="de-DE"/>
           </a:p>
@@ -1052,7 +1052,7 @@
             <a:fld id="{1BA50D42-C9CD-4801-B293-61D1F53EC57E}" type="datetimeFigureOut">
               <a:rPr lang="de-DE" smtClean="0"/>
               <a:pPr/>
-              <a:t>08.06.2014</a:t>
+              <a:t>09.06.2014</a:t>
             </a:fld>
             <a:endParaRPr lang="de-DE"/>
           </a:p>
@@ -1337,7 +1337,7 @@
             <a:fld id="{1BA50D42-C9CD-4801-B293-61D1F53EC57E}" type="datetimeFigureOut">
               <a:rPr lang="de-DE" smtClean="0"/>
               <a:pPr/>
-              <a:t>08.06.2014</a:t>
+              <a:t>09.06.2014</a:t>
             </a:fld>
             <a:endParaRPr lang="de-DE"/>
           </a:p>
@@ -1756,7 +1756,7 @@
             <a:fld id="{1BA50D42-C9CD-4801-B293-61D1F53EC57E}" type="datetimeFigureOut">
               <a:rPr lang="de-DE" smtClean="0"/>
               <a:pPr/>
-              <a:t>08.06.2014</a:t>
+              <a:t>09.06.2014</a:t>
             </a:fld>
             <a:endParaRPr lang="de-DE"/>
           </a:p>
@@ -1871,7 +1871,7 @@
             <a:fld id="{1BA50D42-C9CD-4801-B293-61D1F53EC57E}" type="datetimeFigureOut">
               <a:rPr lang="de-DE" smtClean="0"/>
               <a:pPr/>
-              <a:t>08.06.2014</a:t>
+              <a:t>09.06.2014</a:t>
             </a:fld>
             <a:endParaRPr lang="de-DE"/>
           </a:p>
@@ -1963,7 +1963,7 @@
             <a:fld id="{1BA50D42-C9CD-4801-B293-61D1F53EC57E}" type="datetimeFigureOut">
               <a:rPr lang="de-DE" smtClean="0"/>
               <a:pPr/>
-              <a:t>08.06.2014</a:t>
+              <a:t>09.06.2014</a:t>
             </a:fld>
             <a:endParaRPr lang="de-DE"/>
           </a:p>
@@ -2237,7 +2237,7 @@
             <a:fld id="{1BA50D42-C9CD-4801-B293-61D1F53EC57E}" type="datetimeFigureOut">
               <a:rPr lang="de-DE" smtClean="0"/>
               <a:pPr/>
-              <a:t>08.06.2014</a:t>
+              <a:t>09.06.2014</a:t>
             </a:fld>
             <a:endParaRPr lang="de-DE"/>
           </a:p>
@@ -2487,7 +2487,7 @@
             <a:fld id="{1BA50D42-C9CD-4801-B293-61D1F53EC57E}" type="datetimeFigureOut">
               <a:rPr lang="de-DE" smtClean="0"/>
               <a:pPr/>
-              <a:t>08.06.2014</a:t>
+              <a:t>09.06.2014</a:t>
             </a:fld>
             <a:endParaRPr lang="de-DE"/>
           </a:p>
@@ -2697,7 +2697,7 @@
             <a:fld id="{1BA50D42-C9CD-4801-B293-61D1F53EC57E}" type="datetimeFigureOut">
               <a:rPr lang="de-DE" smtClean="0"/>
               <a:pPr/>
-              <a:t>08.06.2014</a:t>
+              <a:t>09.06.2014</a:t>
             </a:fld>
             <a:endParaRPr lang="de-DE"/>
           </a:p>
@@ -3173,7 +3173,29 @@
           <a:p>
             <a:r>
               <a:rPr lang="de-CH" dirty="0" smtClean="0"/>
-              <a:t>80%-20% Regel</a:t>
+              <a:t>80%-20% </a:t>
+            </a:r>
+            <a:r>
+              <a:rPr lang="de-CH" dirty="0" smtClean="0"/>
+              <a:t>Regel</a:t>
+            </a:r>
+          </a:p>
+          <a:p>
+            <a:r>
+              <a:rPr lang="de-CH" dirty="0" smtClean="0"/>
+              <a:t>Je „höher“ man kommt, desto mehr </a:t>
+            </a:r>
+            <a:r>
+              <a:rPr lang="de-CH" dirty="0" err="1" smtClean="0"/>
+              <a:t>datensätze</a:t>
+            </a:r>
+            <a:r>
+              <a:rPr lang="de-CH" dirty="0" smtClean="0"/>
+              <a:t> braucht man </a:t>
+            </a:r>
+            <a:r>
+              <a:rPr lang="de-CH" smtClean="0"/>
+              <a:t>zum validieren.</a:t>
             </a:r>
             <a:endParaRPr lang="de-CH" dirty="0"/>
           </a:p>
